--- a/3 - few-shot/leitura/language_models_are_few_shot_learners.pptx
+++ b/3 - few-shot/leitura/language_models_are_few_shot_learners.pptx
@@ -235,7 +235,7 @@
             <a:pPr rtl="0"/>
             <a:fld id="{1CFE3099-591D-45A7-A51D-7A26F574396C}" type="datetime1">
               <a:rPr lang="pt-BR" smtClean="0"/>
-              <a:t>14/03/2023</a:t>
+              <a:t>17/03/2023</a:t>
             </a:fld>
             <a:endParaRPr lang="pt-BR" dirty="0"/>
           </a:p>
@@ -416,7 +416,7 @@
             <a:fld id="{04512B0B-086E-405E-B6A3-A336C302B6B7}" type="datetime1">
               <a:rPr lang="pt-BR" smtClean="0"/>
               <a:pPr/>
-              <a:t>14/03/2023</a:t>
+              <a:t>17/03/2023</a:t>
             </a:fld>
             <a:endParaRPr lang="pt-BR" dirty="0"/>
           </a:p>
@@ -10128,7 +10128,7 @@
                 <a:latin typeface="Arial" panose="020B0604020202020204" pitchFamily="34" charset="0"/>
                 <a:cs typeface="Arial" panose="020B0604020202020204" pitchFamily="34" charset="0"/>
               </a:rPr>
-              <a:t>: Durante o aprendizado não supervisionado o modelo de linguagem desenvolve um conjunto de habilidades (incluindo reconhecimento de padrões), que depois podem ser usados em tempo de inferência para se adaptar para outras tarefas.</a:t>
+              <a:t>: Durante o aprendizado não supervisionado o modelo de linguagem desenvolve um conjunto de habilidades (incluindo reconhecimento de padrões) que depois podem ser usados em tempo de inferência para se adaptar para outras tarefas.</a:t>
             </a:r>
           </a:p>
           <a:p>
@@ -10808,7 +10808,7 @@
                 <a:latin typeface="Arial" panose="020B0604020202020204" pitchFamily="34" charset="0"/>
                 <a:cs typeface="Arial" panose="020B0604020202020204" pitchFamily="34" charset="0"/>
               </a:rPr>
-              <a:t>Discussões sobre as limitações do modelo, incluindo apresentado a incerteza se de se ao apresentar alguns exemplos para a rede (</a:t>
+              <a:t>Discussões sobre as limitações do modelo, incluindo abordando a questão de, no caso </a:t>
             </a:r>
             <a:r>
               <a:rPr lang="pt-BR" sz="2400" dirty="0" err="1">
@@ -10828,7 +10828,7 @@
                 <a:latin typeface="Arial" panose="020B0604020202020204" pitchFamily="34" charset="0"/>
                 <a:cs typeface="Arial" panose="020B0604020202020204" pitchFamily="34" charset="0"/>
               </a:rPr>
-              <a:t>-shot) ela está aprendendo uma nova tarefa ou relembrando exemplos de treinamento.</a:t>
+              <a:t>-shot, se a rede realmente está aprendendo uma nova tarefa ou se está apenas relembrando exemplos de treinamento.</a:t>
             </a:r>
           </a:p>
           <a:p>
@@ -11488,7 +11488,7 @@
                 <a:latin typeface="Arial" panose="020B0604020202020204" pitchFamily="34" charset="0"/>
                 <a:cs typeface="Arial" panose="020B0604020202020204" pitchFamily="34" charset="0"/>
               </a:rPr>
-              <a:t>Mesmo tendo sido treinado com pouca coisa em outras línguas, achei interessante como o modelo se saiu bem nas atividades de tradução, especialmente de outra língua para o inglês.</a:t>
+              <a:t>Mesmo tendo sido treinado com poucos dados de entrada em outras línguas, achei interessante como o modelo se saiu bem nas atividades de tradução, especialmente de outra língua para o inglês.</a:t>
             </a:r>
           </a:p>
         </p:txBody>
@@ -12556,7 +12556,7 @@
                 <a:latin typeface="Arial" panose="020B0604020202020204" pitchFamily="34" charset="0"/>
                 <a:cs typeface="Arial" panose="020B0604020202020204" pitchFamily="34" charset="0"/>
               </a:rPr>
-              <a:t>No final do artigo é falado que sobre o viés e que isso deve ser tratado. Como é feito na prática?</a:t>
+              <a:t>No final do artigo é falado que sobre o viés e que isso deve ser tratado. Como é feito na prática? (Do jeito que ele comenta parece que não é apenas mostrando contraexemplos)</a:t>
             </a:r>
           </a:p>
         </p:txBody>
@@ -13518,6 +13518,25 @@
 </file>
 
 <file path=customXml/item2.xml><?xml version="1.0" encoding="utf-8"?>
+<p:properties xmlns:p="http://schemas.microsoft.com/office/2006/metadata/properties" xmlns:xsi="http://www.w3.org/2001/XMLSchema-instance" xmlns:pc="http://schemas.microsoft.com/office/infopath/2007/PartnerControls">
+  <documentManagement>
+    <_ip_UnifiedCompliancePolicyUIAction xmlns="http://schemas.microsoft.com/sharepoint/v3" xsi:nil="true"/>
+    <Image xmlns="71af3243-3dd4-4a8d-8c0d-dd76da1f02a5">
+      <Url xsi:nil="true"/>
+      <Description xsi:nil="true"/>
+    </Image>
+    <Status xmlns="71af3243-3dd4-4a8d-8c0d-dd76da1f02a5">Not started</Status>
+    <_ip_UnifiedCompliancePolicyProperties xmlns="http://schemas.microsoft.com/sharepoint/v3" xsi:nil="true"/>
+    <ImageTagsTaxHTField xmlns="71af3243-3dd4-4a8d-8c0d-dd76da1f02a5">
+      <Terms xmlns="http://schemas.microsoft.com/office/infopath/2007/PartnerControls"/>
+    </ImageTagsTaxHTField>
+    <TaxCatchAll xmlns="230e9df3-be65-4c73-a93b-d1236ebd677e"/>
+    <MediaServiceKeyPoints xmlns="71af3243-3dd4-4a8d-8c0d-dd76da1f02a5" xsi:nil="true"/>
+  </documentManagement>
+</p:properties>
+</file>
+
+<file path=customXml/item3.xml><?xml version="1.0" encoding="utf-8"?>
 <ct:contentTypeSchema xmlns:ct="http://schemas.microsoft.com/office/2006/metadata/contentType" xmlns:ma="http://schemas.microsoft.com/office/2006/metadata/properties/metaAttributes" ct:_="" ma:_="" ma:contentTypeName="Document" ma:contentTypeID="0x01010079F111ED35F8CC479449609E8A0923A6" ma:contentTypeVersion="21" ma:contentTypeDescription="Create a new document." ma:contentTypeScope="" ma:versionID="64dfb1555687e0874b4304b796b5b0c7">
   <xsd:schema xmlns:xsd="http://www.w3.org/2001/XMLSchema" xmlns:xs="http://www.w3.org/2001/XMLSchema" xmlns:p="http://schemas.microsoft.com/office/2006/metadata/properties" xmlns:ns1="http://schemas.microsoft.com/sharepoint/v3" xmlns:ns2="71af3243-3dd4-4a8d-8c0d-dd76da1f02a5" xmlns:ns3="16c05727-aa75-4e4a-9b5f-8a80a1165891" xmlns:ns4="230e9df3-be65-4c73-a93b-d1236ebd677e" targetNamespace="http://schemas.microsoft.com/office/2006/metadata/properties" ma:root="true" ma:fieldsID="e6e4c555b5e194d05b7203de9c4567b3" ns1:_="" ns2:_="" ns3:_="" ns4:_="">
     <xsd:import namespace="http://schemas.microsoft.com/sharepoint/v3"/>
@@ -13799,25 +13818,6 @@
 </ct:contentTypeSchema>
 </file>
 
-<file path=customXml/item3.xml><?xml version="1.0" encoding="utf-8"?>
-<p:properties xmlns:p="http://schemas.microsoft.com/office/2006/metadata/properties" xmlns:xsi="http://www.w3.org/2001/XMLSchema-instance" xmlns:pc="http://schemas.microsoft.com/office/infopath/2007/PartnerControls">
-  <documentManagement>
-    <_ip_UnifiedCompliancePolicyUIAction xmlns="http://schemas.microsoft.com/sharepoint/v3" xsi:nil="true"/>
-    <Image xmlns="71af3243-3dd4-4a8d-8c0d-dd76da1f02a5">
-      <Url xsi:nil="true"/>
-      <Description xsi:nil="true"/>
-    </Image>
-    <Status xmlns="71af3243-3dd4-4a8d-8c0d-dd76da1f02a5">Not started</Status>
-    <_ip_UnifiedCompliancePolicyProperties xmlns="http://schemas.microsoft.com/sharepoint/v3" xsi:nil="true"/>
-    <ImageTagsTaxHTField xmlns="71af3243-3dd4-4a8d-8c0d-dd76da1f02a5">
-      <Terms xmlns="http://schemas.microsoft.com/office/infopath/2007/PartnerControls"/>
-    </ImageTagsTaxHTField>
-    <TaxCatchAll xmlns="230e9df3-be65-4c73-a93b-d1236ebd677e"/>
-    <MediaServiceKeyPoints xmlns="71af3243-3dd4-4a8d-8c0d-dd76da1f02a5" xsi:nil="true"/>
-  </documentManagement>
-</p:properties>
-</file>
-
 <file path=customXml/itemProps1.xml><?xml version="1.0" encoding="utf-8"?>
 <ds:datastoreItem xmlns:ds="http://schemas.openxmlformats.org/officeDocument/2006/customXml" ds:itemID="{E618C13B-9D83-4AF4-B64D-33362D5133F8}">
   <ds:schemaRefs>
@@ -13827,6 +13827,18 @@
 </file>
 
 <file path=customXml/itemProps2.xml><?xml version="1.0" encoding="utf-8"?>
+<ds:datastoreItem xmlns:ds="http://schemas.openxmlformats.org/officeDocument/2006/customXml" ds:itemID="{CA4F7154-AFAC-4BE7-8A74-7F4B6FC2743C}">
+  <ds:schemaRefs>
+    <ds:schemaRef ds:uri="http://schemas.microsoft.com/office/2006/metadata/properties"/>
+    <ds:schemaRef ds:uri="http://schemas.microsoft.com/office/infopath/2007/PartnerControls"/>
+    <ds:schemaRef ds:uri="http://schemas.microsoft.com/sharepoint/v3"/>
+    <ds:schemaRef ds:uri="71af3243-3dd4-4a8d-8c0d-dd76da1f02a5"/>
+    <ds:schemaRef ds:uri="230e9df3-be65-4c73-a93b-d1236ebd677e"/>
+  </ds:schemaRefs>
+</ds:datastoreItem>
+</file>
+
+<file path=customXml/itemProps3.xml><?xml version="1.0" encoding="utf-8"?>
 <ds:datastoreItem xmlns:ds="http://schemas.openxmlformats.org/officeDocument/2006/customXml" ds:itemID="{67ACD96E-49A0-4DA4-A7BB-AC2D8874213F}">
   <ds:schemaRefs>
     <ds:schemaRef ds:uri="http://schemas.microsoft.com/office/2006/metadata/contentType"/>
@@ -13847,18 +13859,6 @@
 </ds:datastoreItem>
 </file>
 
-<file path=customXml/itemProps3.xml><?xml version="1.0" encoding="utf-8"?>
-<ds:datastoreItem xmlns:ds="http://schemas.openxmlformats.org/officeDocument/2006/customXml" ds:itemID="{CA4F7154-AFAC-4BE7-8A74-7F4B6FC2743C}">
-  <ds:schemaRefs>
-    <ds:schemaRef ds:uri="http://schemas.microsoft.com/office/2006/metadata/properties"/>
-    <ds:schemaRef ds:uri="http://schemas.microsoft.com/office/infopath/2007/PartnerControls"/>
-    <ds:schemaRef ds:uri="http://schemas.microsoft.com/sharepoint/v3"/>
-    <ds:schemaRef ds:uri="71af3243-3dd4-4a8d-8c0d-dd76da1f02a5"/>
-    <ds:schemaRef ds:uri="230e9df3-be65-4c73-a93b-d1236ebd677e"/>
-  </ds:schemaRefs>
-</ds:datastoreItem>
-</file>
-
 <file path=docMetadata/LabelInfo.xml><?xml version="1.0" encoding="utf-8"?>
 <clbl:labelList xmlns:clbl="http://schemas.microsoft.com/office/2020/mipLabelMetadata">
   <clbl:label id="{f42aa342-8706-4288-bd11-ebb85995028c}" enabled="1" method="Standard" siteId="{72f988bf-86f1-41af-91ab-2d7cd011db47}" removed="0"/>
